--- a/Ying Hao/Software Engineering/Mock UI.pptx
+++ b/Ying Hao/Software Engineering/Mock UI.pptx
@@ -1236,7 +1236,7 @@
           <a:p>
             <a:fld id="{4A4F83D9-B73B-4E35-8818-2971AD8B9377}" type="datetimeFigureOut">
               <a:rPr lang="en-SG" smtClean="0"/>
-              <a:t>13/9/2016</a:t>
+              <a:t>18/9/2016</a:t>
             </a:fld>
             <a:endParaRPr lang="en-SG" dirty="0"/>
           </a:p>
@@ -7698,7 +7698,7 @@
           <a:p>
             <a:fld id="{10F1E95A-8281-4698-8997-E14162BF1168}" type="datetimeFigureOut">
               <a:rPr lang="en-SG" smtClean="0"/>
-              <a:t>13/9/2016</a:t>
+              <a:t>18/9/2016</a:t>
             </a:fld>
             <a:endParaRPr lang="en-SG" dirty="0"/>
           </a:p>
@@ -7868,7 +7868,7 @@
           <a:p>
             <a:fld id="{10F1E95A-8281-4698-8997-E14162BF1168}" type="datetimeFigureOut">
               <a:rPr lang="en-SG" smtClean="0"/>
-              <a:t>13/9/2016</a:t>
+              <a:t>18/9/2016</a:t>
             </a:fld>
             <a:endParaRPr lang="en-SG" dirty="0"/>
           </a:p>
@@ -8048,7 +8048,7 @@
           <a:p>
             <a:fld id="{10F1E95A-8281-4698-8997-E14162BF1168}" type="datetimeFigureOut">
               <a:rPr lang="en-SG" smtClean="0"/>
-              <a:t>13/9/2016</a:t>
+              <a:t>18/9/2016</a:t>
             </a:fld>
             <a:endParaRPr lang="en-SG" dirty="0"/>
           </a:p>
@@ -8218,7 +8218,7 @@
           <a:p>
             <a:fld id="{10F1E95A-8281-4698-8997-E14162BF1168}" type="datetimeFigureOut">
               <a:rPr lang="en-SG" smtClean="0"/>
-              <a:t>13/9/2016</a:t>
+              <a:t>18/9/2016</a:t>
             </a:fld>
             <a:endParaRPr lang="en-SG" dirty="0"/>
           </a:p>
@@ -8464,7 +8464,7 @@
           <a:p>
             <a:fld id="{10F1E95A-8281-4698-8997-E14162BF1168}" type="datetimeFigureOut">
               <a:rPr lang="en-SG" smtClean="0"/>
-              <a:t>13/9/2016</a:t>
+              <a:t>18/9/2016</a:t>
             </a:fld>
             <a:endParaRPr lang="en-SG" dirty="0"/>
           </a:p>
@@ -8696,7 +8696,7 @@
           <a:p>
             <a:fld id="{10F1E95A-8281-4698-8997-E14162BF1168}" type="datetimeFigureOut">
               <a:rPr lang="en-SG" smtClean="0"/>
-              <a:t>13/9/2016</a:t>
+              <a:t>18/9/2016</a:t>
             </a:fld>
             <a:endParaRPr lang="en-SG" dirty="0"/>
           </a:p>
@@ -9063,7 +9063,7 @@
           <a:p>
             <a:fld id="{10F1E95A-8281-4698-8997-E14162BF1168}" type="datetimeFigureOut">
               <a:rPr lang="en-SG" smtClean="0"/>
-              <a:t>13/9/2016</a:t>
+              <a:t>18/9/2016</a:t>
             </a:fld>
             <a:endParaRPr lang="en-SG" dirty="0"/>
           </a:p>
@@ -9181,7 +9181,7 @@
           <a:p>
             <a:fld id="{10F1E95A-8281-4698-8997-E14162BF1168}" type="datetimeFigureOut">
               <a:rPr lang="en-SG" smtClean="0"/>
-              <a:t>13/9/2016</a:t>
+              <a:t>18/9/2016</a:t>
             </a:fld>
             <a:endParaRPr lang="en-SG" dirty="0"/>
           </a:p>
@@ -9276,7 +9276,7 @@
           <a:p>
             <a:fld id="{10F1E95A-8281-4698-8997-E14162BF1168}" type="datetimeFigureOut">
               <a:rPr lang="en-SG" smtClean="0"/>
-              <a:t>13/9/2016</a:t>
+              <a:t>18/9/2016</a:t>
             </a:fld>
             <a:endParaRPr lang="en-SG" dirty="0"/>
           </a:p>
@@ -9553,7 +9553,7 @@
           <a:p>
             <a:fld id="{10F1E95A-8281-4698-8997-E14162BF1168}" type="datetimeFigureOut">
               <a:rPr lang="en-SG" smtClean="0"/>
-              <a:t>13/9/2016</a:t>
+              <a:t>18/9/2016</a:t>
             </a:fld>
             <a:endParaRPr lang="en-SG" dirty="0"/>
           </a:p>
@@ -9806,7 +9806,7 @@
           <a:p>
             <a:fld id="{10F1E95A-8281-4698-8997-E14162BF1168}" type="datetimeFigureOut">
               <a:rPr lang="en-SG" smtClean="0"/>
-              <a:t>13/9/2016</a:t>
+              <a:t>18/9/2016</a:t>
             </a:fld>
             <a:endParaRPr lang="en-SG" dirty="0"/>
           </a:p>
@@ -10019,7 +10019,7 @@
           <a:p>
             <a:fld id="{10F1E95A-8281-4698-8997-E14162BF1168}" type="datetimeFigureOut">
               <a:rPr lang="en-SG" smtClean="0"/>
-              <a:t>13/9/2016</a:t>
+              <a:t>18/9/2016</a:t>
             </a:fld>
             <a:endParaRPr lang="en-SG" dirty="0"/>
           </a:p>
@@ -42977,7 +42977,7 @@
         </p:nvSpPr>
         <p:spPr>
           <a:xfrm>
-            <a:off x="6930938" y="6034832"/>
+            <a:off x="7209902" y="6034832"/>
             <a:ext cx="457340" cy="296077"/>
           </a:xfrm>
           <a:prstGeom prst="roundRect">

--- a/Ying Hao/Software Engineering/Mock UI.pptx
+++ b/Ying Hao/Software Engineering/Mock UI.pptx
@@ -1236,7 +1236,7 @@
           <a:p>
             <a:fld id="{4A4F83D9-B73B-4E35-8818-2971AD8B9377}" type="datetimeFigureOut">
               <a:rPr lang="en-SG" smtClean="0"/>
-              <a:t>18/9/2016</a:t>
+              <a:t>20/9/2016</a:t>
             </a:fld>
             <a:endParaRPr lang="en-SG" dirty="0"/>
           </a:p>
@@ -7698,7 +7698,7 @@
           <a:p>
             <a:fld id="{10F1E95A-8281-4698-8997-E14162BF1168}" type="datetimeFigureOut">
               <a:rPr lang="en-SG" smtClean="0"/>
-              <a:t>18/9/2016</a:t>
+              <a:t>20/9/2016</a:t>
             </a:fld>
             <a:endParaRPr lang="en-SG" dirty="0"/>
           </a:p>
@@ -7868,7 +7868,7 @@
           <a:p>
             <a:fld id="{10F1E95A-8281-4698-8997-E14162BF1168}" type="datetimeFigureOut">
               <a:rPr lang="en-SG" smtClean="0"/>
-              <a:t>18/9/2016</a:t>
+              <a:t>20/9/2016</a:t>
             </a:fld>
             <a:endParaRPr lang="en-SG" dirty="0"/>
           </a:p>
@@ -8048,7 +8048,7 @@
           <a:p>
             <a:fld id="{10F1E95A-8281-4698-8997-E14162BF1168}" type="datetimeFigureOut">
               <a:rPr lang="en-SG" smtClean="0"/>
-              <a:t>18/9/2016</a:t>
+              <a:t>20/9/2016</a:t>
             </a:fld>
             <a:endParaRPr lang="en-SG" dirty="0"/>
           </a:p>
@@ -8218,7 +8218,7 @@
           <a:p>
             <a:fld id="{10F1E95A-8281-4698-8997-E14162BF1168}" type="datetimeFigureOut">
               <a:rPr lang="en-SG" smtClean="0"/>
-              <a:t>18/9/2016</a:t>
+              <a:t>20/9/2016</a:t>
             </a:fld>
             <a:endParaRPr lang="en-SG" dirty="0"/>
           </a:p>
@@ -8464,7 +8464,7 @@
           <a:p>
             <a:fld id="{10F1E95A-8281-4698-8997-E14162BF1168}" type="datetimeFigureOut">
               <a:rPr lang="en-SG" smtClean="0"/>
-              <a:t>18/9/2016</a:t>
+              <a:t>20/9/2016</a:t>
             </a:fld>
             <a:endParaRPr lang="en-SG" dirty="0"/>
           </a:p>
@@ -8696,7 +8696,7 @@
           <a:p>
             <a:fld id="{10F1E95A-8281-4698-8997-E14162BF1168}" type="datetimeFigureOut">
               <a:rPr lang="en-SG" smtClean="0"/>
-              <a:t>18/9/2016</a:t>
+              <a:t>20/9/2016</a:t>
             </a:fld>
             <a:endParaRPr lang="en-SG" dirty="0"/>
           </a:p>
@@ -9063,7 +9063,7 @@
           <a:p>
             <a:fld id="{10F1E95A-8281-4698-8997-E14162BF1168}" type="datetimeFigureOut">
               <a:rPr lang="en-SG" smtClean="0"/>
-              <a:t>18/9/2016</a:t>
+              <a:t>20/9/2016</a:t>
             </a:fld>
             <a:endParaRPr lang="en-SG" dirty="0"/>
           </a:p>
@@ -9181,7 +9181,7 @@
           <a:p>
             <a:fld id="{10F1E95A-8281-4698-8997-E14162BF1168}" type="datetimeFigureOut">
               <a:rPr lang="en-SG" smtClean="0"/>
-              <a:t>18/9/2016</a:t>
+              <a:t>20/9/2016</a:t>
             </a:fld>
             <a:endParaRPr lang="en-SG" dirty="0"/>
           </a:p>
@@ -9276,7 +9276,7 @@
           <a:p>
             <a:fld id="{10F1E95A-8281-4698-8997-E14162BF1168}" type="datetimeFigureOut">
               <a:rPr lang="en-SG" smtClean="0"/>
-              <a:t>18/9/2016</a:t>
+              <a:t>20/9/2016</a:t>
             </a:fld>
             <a:endParaRPr lang="en-SG" dirty="0"/>
           </a:p>
@@ -9553,7 +9553,7 @@
           <a:p>
             <a:fld id="{10F1E95A-8281-4698-8997-E14162BF1168}" type="datetimeFigureOut">
               <a:rPr lang="en-SG" smtClean="0"/>
-              <a:t>18/9/2016</a:t>
+              <a:t>20/9/2016</a:t>
             </a:fld>
             <a:endParaRPr lang="en-SG" dirty="0"/>
           </a:p>
@@ -9806,7 +9806,7 @@
           <a:p>
             <a:fld id="{10F1E95A-8281-4698-8997-E14162BF1168}" type="datetimeFigureOut">
               <a:rPr lang="en-SG" smtClean="0"/>
-              <a:t>18/9/2016</a:t>
+              <a:t>20/9/2016</a:t>
             </a:fld>
             <a:endParaRPr lang="en-SG" dirty="0"/>
           </a:p>
@@ -10019,7 +10019,7 @@
           <a:p>
             <a:fld id="{10F1E95A-8281-4698-8997-E14162BF1168}" type="datetimeFigureOut">
               <a:rPr lang="en-SG" smtClean="0"/>
-              <a:t>18/9/2016</a:t>
+              <a:t>20/9/2016</a:t>
             </a:fld>
             <a:endParaRPr lang="en-SG" dirty="0"/>
           </a:p>
@@ -11321,6 +11321,42 @@
           </a:prstGeom>
         </p:spPr>
       </p:pic>
+      <p:sp>
+        <p:nvSpPr>
+          <p:cNvPr id="16" name="TextBox 15"/>
+          <p:cNvSpPr txBox="1"/>
+          <p:nvPr/>
+        </p:nvSpPr>
+        <p:spPr>
+          <a:xfrm>
+            <a:off x="587007" y="1547396"/>
+            <a:ext cx="862737" cy="338554"/>
+          </a:xfrm>
+          <a:prstGeom prst="rect">
+            <a:avLst/>
+          </a:prstGeom>
+          <a:noFill/>
+        </p:spPr>
+        <p:txBody>
+          <a:bodyPr wrap="none" rtlCol="0">
+            <a:spAutoFit/>
+          </a:bodyPr>
+          <a:lstStyle/>
+          <a:p>
+            <a:r>
+              <a:rPr lang="en-US" sz="1600" dirty="0">
+                <a:latin typeface="Kozuka Gothic Pr6N B" panose="020B0800000000000000" pitchFamily="34" charset="-128"/>
+                <a:ea typeface="Kozuka Gothic Pr6N B" panose="020B0800000000000000" pitchFamily="34" charset="-128"/>
+              </a:rPr>
+              <a:t>Logout</a:t>
+            </a:r>
+            <a:endParaRPr lang="en-SG" sz="1600" dirty="0">
+              <a:latin typeface="Kozuka Gothic Pr6N B" panose="020B0800000000000000" pitchFamily="34" charset="-128"/>
+              <a:ea typeface="Kozuka Gothic Pr6N B" panose="020B0800000000000000" pitchFamily="34" charset="-128"/>
+            </a:endParaRPr>
+          </a:p>
+        </p:txBody>
+      </p:sp>
     </p:spTree>
     <p:extLst>
       <p:ext uri="{BB962C8B-B14F-4D97-AF65-F5344CB8AC3E}">
@@ -11996,6 +12032,42 @@
           </a:p>
         </p:txBody>
       </p:sp>
+      <p:sp>
+        <p:nvSpPr>
+          <p:cNvPr id="21" name="TextBox 20"/>
+          <p:cNvSpPr txBox="1"/>
+          <p:nvPr/>
+        </p:nvSpPr>
+        <p:spPr>
+          <a:xfrm>
+            <a:off x="587007" y="1547396"/>
+            <a:ext cx="862737" cy="338554"/>
+          </a:xfrm>
+          <a:prstGeom prst="rect">
+            <a:avLst/>
+          </a:prstGeom>
+          <a:noFill/>
+        </p:spPr>
+        <p:txBody>
+          <a:bodyPr wrap="none" rtlCol="0">
+            <a:spAutoFit/>
+          </a:bodyPr>
+          <a:lstStyle/>
+          <a:p>
+            <a:r>
+              <a:rPr lang="en-US" sz="1600" dirty="0">
+                <a:latin typeface="Kozuka Gothic Pr6N B" panose="020B0800000000000000" pitchFamily="34" charset="-128"/>
+                <a:ea typeface="Kozuka Gothic Pr6N B" panose="020B0800000000000000" pitchFamily="34" charset="-128"/>
+              </a:rPr>
+              <a:t>Logout</a:t>
+            </a:r>
+            <a:endParaRPr lang="en-SG" sz="1600" dirty="0">
+              <a:latin typeface="Kozuka Gothic Pr6N B" panose="020B0800000000000000" pitchFamily="34" charset="-128"/>
+              <a:ea typeface="Kozuka Gothic Pr6N B" panose="020B0800000000000000" pitchFamily="34" charset="-128"/>
+            </a:endParaRPr>
+          </a:p>
+        </p:txBody>
+      </p:sp>
     </p:spTree>
     <p:extLst>
       <p:ext uri="{BB962C8B-B14F-4D97-AF65-F5344CB8AC3E}">
@@ -13264,6 +13336,42 @@
           </a:p>
         </p:txBody>
       </p:sp>
+      <p:sp>
+        <p:nvSpPr>
+          <p:cNvPr id="31" name="TextBox 30"/>
+          <p:cNvSpPr txBox="1"/>
+          <p:nvPr/>
+        </p:nvSpPr>
+        <p:spPr>
+          <a:xfrm>
+            <a:off x="587007" y="1547396"/>
+            <a:ext cx="862737" cy="338554"/>
+          </a:xfrm>
+          <a:prstGeom prst="rect">
+            <a:avLst/>
+          </a:prstGeom>
+          <a:noFill/>
+        </p:spPr>
+        <p:txBody>
+          <a:bodyPr wrap="none" rtlCol="0">
+            <a:spAutoFit/>
+          </a:bodyPr>
+          <a:lstStyle/>
+          <a:p>
+            <a:r>
+              <a:rPr lang="en-US" sz="1600" dirty="0">
+                <a:latin typeface="Kozuka Gothic Pr6N B" panose="020B0800000000000000" pitchFamily="34" charset="-128"/>
+                <a:ea typeface="Kozuka Gothic Pr6N B" panose="020B0800000000000000" pitchFamily="34" charset="-128"/>
+              </a:rPr>
+              <a:t>Logout</a:t>
+            </a:r>
+            <a:endParaRPr lang="en-SG" sz="1600" dirty="0">
+              <a:latin typeface="Kozuka Gothic Pr6N B" panose="020B0800000000000000" pitchFamily="34" charset="-128"/>
+              <a:ea typeface="Kozuka Gothic Pr6N B" panose="020B0800000000000000" pitchFamily="34" charset="-128"/>
+            </a:endParaRPr>
+          </a:p>
+        </p:txBody>
+      </p:sp>
     </p:spTree>
     <p:extLst>
       <p:ext uri="{BB962C8B-B14F-4D97-AF65-F5344CB8AC3E}">
@@ -13777,6 +13885,42 @@
               </a:rPr>
               <a:t>M00001		Mathematics		</a:t>
             </a:r>
+          </a:p>
+        </p:txBody>
+      </p:sp>
+      <p:sp>
+        <p:nvSpPr>
+          <p:cNvPr id="14" name="TextBox 13"/>
+          <p:cNvSpPr txBox="1"/>
+          <p:nvPr/>
+        </p:nvSpPr>
+        <p:spPr>
+          <a:xfrm>
+            <a:off x="587007" y="1547396"/>
+            <a:ext cx="862737" cy="338554"/>
+          </a:xfrm>
+          <a:prstGeom prst="rect">
+            <a:avLst/>
+          </a:prstGeom>
+          <a:noFill/>
+        </p:spPr>
+        <p:txBody>
+          <a:bodyPr wrap="none" rtlCol="0">
+            <a:spAutoFit/>
+          </a:bodyPr>
+          <a:lstStyle/>
+          <a:p>
+            <a:r>
+              <a:rPr lang="en-US" sz="1600" dirty="0">
+                <a:latin typeface="Kozuka Gothic Pr6N B" panose="020B0800000000000000" pitchFamily="34" charset="-128"/>
+                <a:ea typeface="Kozuka Gothic Pr6N B" panose="020B0800000000000000" pitchFamily="34" charset="-128"/>
+              </a:rPr>
+              <a:t>Logout</a:t>
+            </a:r>
+            <a:endParaRPr lang="en-SG" sz="1600" dirty="0">
+              <a:latin typeface="Kozuka Gothic Pr6N B" panose="020B0800000000000000" pitchFamily="34" charset="-128"/>
+              <a:ea typeface="Kozuka Gothic Pr6N B" panose="020B0800000000000000" pitchFamily="34" charset="-128"/>
+            </a:endParaRPr>
           </a:p>
         </p:txBody>
       </p:sp>
@@ -15043,6 +15187,42 @@
           </p:txBody>
         </p:sp>
       </p:grpSp>
+      <p:sp>
+        <p:nvSpPr>
+          <p:cNvPr id="31" name="TextBox 30"/>
+          <p:cNvSpPr txBox="1"/>
+          <p:nvPr/>
+        </p:nvSpPr>
+        <p:spPr>
+          <a:xfrm>
+            <a:off x="587007" y="1547396"/>
+            <a:ext cx="862737" cy="338554"/>
+          </a:xfrm>
+          <a:prstGeom prst="rect">
+            <a:avLst/>
+          </a:prstGeom>
+          <a:noFill/>
+        </p:spPr>
+        <p:txBody>
+          <a:bodyPr wrap="none" rtlCol="0">
+            <a:spAutoFit/>
+          </a:bodyPr>
+          <a:lstStyle/>
+          <a:p>
+            <a:r>
+              <a:rPr lang="en-US" sz="1600" dirty="0">
+                <a:latin typeface="Kozuka Gothic Pr6N B" panose="020B0800000000000000" pitchFamily="34" charset="-128"/>
+                <a:ea typeface="Kozuka Gothic Pr6N B" panose="020B0800000000000000" pitchFamily="34" charset="-128"/>
+              </a:rPr>
+              <a:t>Logout</a:t>
+            </a:r>
+            <a:endParaRPr lang="en-SG" sz="1600" dirty="0">
+              <a:latin typeface="Kozuka Gothic Pr6N B" panose="020B0800000000000000" pitchFamily="34" charset="-128"/>
+              <a:ea typeface="Kozuka Gothic Pr6N B" panose="020B0800000000000000" pitchFamily="34" charset="-128"/>
+            </a:endParaRPr>
+          </a:p>
+        </p:txBody>
+      </p:sp>
     </p:spTree>
     <p:extLst>
       <p:ext uri="{BB962C8B-B14F-4D97-AF65-F5344CB8AC3E}">
@@ -15568,6 +15748,42 @@
               </a:rPr>
               <a:t>M00001		Mathematics		</a:t>
             </a:r>
+          </a:p>
+        </p:txBody>
+      </p:sp>
+      <p:sp>
+        <p:nvSpPr>
+          <p:cNvPr id="14" name="TextBox 13"/>
+          <p:cNvSpPr txBox="1"/>
+          <p:nvPr/>
+        </p:nvSpPr>
+        <p:spPr>
+          <a:xfrm>
+            <a:off x="587007" y="1547396"/>
+            <a:ext cx="862737" cy="338554"/>
+          </a:xfrm>
+          <a:prstGeom prst="rect">
+            <a:avLst/>
+          </a:prstGeom>
+          <a:noFill/>
+        </p:spPr>
+        <p:txBody>
+          <a:bodyPr wrap="none" rtlCol="0">
+            <a:spAutoFit/>
+          </a:bodyPr>
+          <a:lstStyle/>
+          <a:p>
+            <a:r>
+              <a:rPr lang="en-US" sz="1600" dirty="0">
+                <a:latin typeface="Kozuka Gothic Pr6N B" panose="020B0800000000000000" pitchFamily="34" charset="-128"/>
+                <a:ea typeface="Kozuka Gothic Pr6N B" panose="020B0800000000000000" pitchFamily="34" charset="-128"/>
+              </a:rPr>
+              <a:t>Logout</a:t>
+            </a:r>
+            <a:endParaRPr lang="en-SG" sz="1600" dirty="0">
+              <a:latin typeface="Kozuka Gothic Pr6N B" panose="020B0800000000000000" pitchFamily="34" charset="-128"/>
+              <a:ea typeface="Kozuka Gothic Pr6N B" panose="020B0800000000000000" pitchFamily="34" charset="-128"/>
+            </a:endParaRPr>
           </a:p>
         </p:txBody>
       </p:sp>

--- a/Ying Hao/Software Engineering/Mock UI.pptx
+++ b/Ying Hao/Software Engineering/Mock UI.pptx
@@ -1236,7 +1236,7 @@
           <a:p>
             <a:fld id="{4A4F83D9-B73B-4E35-8818-2971AD8B9377}" type="datetimeFigureOut">
               <a:rPr lang="en-SG" smtClean="0"/>
-              <a:t>20/9/2016</a:t>
+              <a:t>5/11/2016</a:t>
             </a:fld>
             <a:endParaRPr lang="en-SG" dirty="0"/>
           </a:p>
@@ -7698,7 +7698,7 @@
           <a:p>
             <a:fld id="{10F1E95A-8281-4698-8997-E14162BF1168}" type="datetimeFigureOut">
               <a:rPr lang="en-SG" smtClean="0"/>
-              <a:t>20/9/2016</a:t>
+              <a:t>5/11/2016</a:t>
             </a:fld>
             <a:endParaRPr lang="en-SG" dirty="0"/>
           </a:p>
@@ -7868,7 +7868,7 @@
           <a:p>
             <a:fld id="{10F1E95A-8281-4698-8997-E14162BF1168}" type="datetimeFigureOut">
               <a:rPr lang="en-SG" smtClean="0"/>
-              <a:t>20/9/2016</a:t>
+              <a:t>5/11/2016</a:t>
             </a:fld>
             <a:endParaRPr lang="en-SG" dirty="0"/>
           </a:p>
@@ -8048,7 +8048,7 @@
           <a:p>
             <a:fld id="{10F1E95A-8281-4698-8997-E14162BF1168}" type="datetimeFigureOut">
               <a:rPr lang="en-SG" smtClean="0"/>
-              <a:t>20/9/2016</a:t>
+              <a:t>5/11/2016</a:t>
             </a:fld>
             <a:endParaRPr lang="en-SG" dirty="0"/>
           </a:p>
@@ -8218,7 +8218,7 @@
           <a:p>
             <a:fld id="{10F1E95A-8281-4698-8997-E14162BF1168}" type="datetimeFigureOut">
               <a:rPr lang="en-SG" smtClean="0"/>
-              <a:t>20/9/2016</a:t>
+              <a:t>5/11/2016</a:t>
             </a:fld>
             <a:endParaRPr lang="en-SG" dirty="0"/>
           </a:p>
@@ -8464,7 +8464,7 @@
           <a:p>
             <a:fld id="{10F1E95A-8281-4698-8997-E14162BF1168}" type="datetimeFigureOut">
               <a:rPr lang="en-SG" smtClean="0"/>
-              <a:t>20/9/2016</a:t>
+              <a:t>5/11/2016</a:t>
             </a:fld>
             <a:endParaRPr lang="en-SG" dirty="0"/>
           </a:p>
@@ -8696,7 +8696,7 @@
           <a:p>
             <a:fld id="{10F1E95A-8281-4698-8997-E14162BF1168}" type="datetimeFigureOut">
               <a:rPr lang="en-SG" smtClean="0"/>
-              <a:t>20/9/2016</a:t>
+              <a:t>5/11/2016</a:t>
             </a:fld>
             <a:endParaRPr lang="en-SG" dirty="0"/>
           </a:p>
@@ -9063,7 +9063,7 @@
           <a:p>
             <a:fld id="{10F1E95A-8281-4698-8997-E14162BF1168}" type="datetimeFigureOut">
               <a:rPr lang="en-SG" smtClean="0"/>
-              <a:t>20/9/2016</a:t>
+              <a:t>5/11/2016</a:t>
             </a:fld>
             <a:endParaRPr lang="en-SG" dirty="0"/>
           </a:p>
@@ -9181,7 +9181,7 @@
           <a:p>
             <a:fld id="{10F1E95A-8281-4698-8997-E14162BF1168}" type="datetimeFigureOut">
               <a:rPr lang="en-SG" smtClean="0"/>
-              <a:t>20/9/2016</a:t>
+              <a:t>5/11/2016</a:t>
             </a:fld>
             <a:endParaRPr lang="en-SG" dirty="0"/>
           </a:p>
@@ -9276,7 +9276,7 @@
           <a:p>
             <a:fld id="{10F1E95A-8281-4698-8997-E14162BF1168}" type="datetimeFigureOut">
               <a:rPr lang="en-SG" smtClean="0"/>
-              <a:t>20/9/2016</a:t>
+              <a:t>5/11/2016</a:t>
             </a:fld>
             <a:endParaRPr lang="en-SG" dirty="0"/>
           </a:p>
@@ -9553,7 +9553,7 @@
           <a:p>
             <a:fld id="{10F1E95A-8281-4698-8997-E14162BF1168}" type="datetimeFigureOut">
               <a:rPr lang="en-SG" smtClean="0"/>
-              <a:t>20/9/2016</a:t>
+              <a:t>5/11/2016</a:t>
             </a:fld>
             <a:endParaRPr lang="en-SG" dirty="0"/>
           </a:p>
@@ -9806,7 +9806,7 @@
           <a:p>
             <a:fld id="{10F1E95A-8281-4698-8997-E14162BF1168}" type="datetimeFigureOut">
               <a:rPr lang="en-SG" smtClean="0"/>
-              <a:t>20/9/2016</a:t>
+              <a:t>5/11/2016</a:t>
             </a:fld>
             <a:endParaRPr lang="en-SG" dirty="0"/>
           </a:p>
@@ -10019,7 +10019,7 @@
           <a:p>
             <a:fld id="{10F1E95A-8281-4698-8997-E14162BF1168}" type="datetimeFigureOut">
               <a:rPr lang="en-SG" smtClean="0"/>
-              <a:t>20/9/2016</a:t>
+              <a:t>5/11/2016</a:t>
             </a:fld>
             <a:endParaRPr lang="en-SG" dirty="0"/>
           </a:p>
@@ -47176,7 +47176,7 @@
         </p:nvSpPr>
         <p:spPr>
           <a:xfrm>
-            <a:off x="2489723" y="3160017"/>
+            <a:off x="2964179" y="3154487"/>
             <a:ext cx="832279" cy="369332"/>
           </a:xfrm>
           <a:prstGeom prst="rect">
@@ -47905,7 +47905,7 @@
         </p:nvSpPr>
         <p:spPr>
           <a:xfrm>
-            <a:off x="5598892" y="2256609"/>
+            <a:off x="6030974" y="2268784"/>
             <a:ext cx="4815742" cy="3416320"/>
           </a:xfrm>
           <a:prstGeom prst="rect">
